--- a/writing/20220729.pptx
+++ b/writing/20220729.pptx
@@ -5,7 +5,7 @@
     <p:sldMasterId id="2147483648" r:id="rId1"/>
   </p:sldMasterIdLst>
   <p:notesMasterIdLst>
-    <p:notesMasterId r:id="rId8"/>
+    <p:notesMasterId r:id="rId9"/>
   </p:notesMasterIdLst>
   <p:sldIdLst>
     <p:sldId id="257" r:id="rId2"/>
@@ -14,6 +14,7 @@
     <p:sldId id="263" r:id="rId5"/>
     <p:sldId id="264" r:id="rId6"/>
     <p:sldId id="262" r:id="rId7"/>
+    <p:sldId id="265" r:id="rId8"/>
   </p:sldIdLst>
   <p:sldSz cx="12192000" cy="6858000"/>
   <p:notesSz cx="6858000" cy="9144000"/>
@@ -112,6 +113,11 @@
       </a:defRPr>
     </a:lvl9pPr>
   </p:defaultTextStyle>
+  <p:extLst>
+    <p:ext uri="{EFAFB233-063F-42B5-8137-9DF3F51BA10A}">
+      <p15:sldGuideLst xmlns:p15="http://schemas.microsoft.com/office/powerpoint/2012/main"/>
+    </p:ext>
+  </p:extLst>
 </p:presentation>
 </file>
 
@@ -197,7 +203,7 @@
           <a:p>
             <a:fld id="{F17F2E2D-6C44-1448-B390-E3A0B10C7177}" type="datetimeFigureOut">
               <a:rPr lang="en-US" smtClean="0"/>
-              <a:t>7/27/22</a:t>
+              <a:t>7/28/22</a:t>
             </a:fld>
             <a:endParaRPr lang="en-US"/>
           </a:p>
@@ -725,6 +731,97 @@
 </p:notes>
 </file>
 
+<file path=ppt/notesSlides/notesSlide4.xml><?xml version="1.0" encoding="utf-8"?>
+<p:notes xmlns:a="http://schemas.openxmlformats.org/drawingml/2006/main" xmlns:r="http://schemas.openxmlformats.org/officeDocument/2006/relationships" xmlns:p="http://schemas.openxmlformats.org/presentationml/2006/main">
+  <p:cSld>
+    <p:spTree>
+      <p:nvGrpSpPr>
+        <p:cNvPr id="1" name=""/>
+        <p:cNvGrpSpPr/>
+        <p:nvPr/>
+      </p:nvGrpSpPr>
+      <p:grpSpPr>
+        <a:xfrm>
+          <a:off x="0" y="0"/>
+          <a:ext cx="0" cy="0"/>
+          <a:chOff x="0" y="0"/>
+          <a:chExt cx="0" cy="0"/>
+        </a:xfrm>
+      </p:grpSpPr>
+      <p:sp>
+        <p:nvSpPr>
+          <p:cNvPr id="2" name="Slide Image Placeholder 1"/>
+          <p:cNvSpPr>
+            <a:spLocks noGrp="1" noRot="1" noChangeAspect="1"/>
+          </p:cNvSpPr>
+          <p:nvPr>
+            <p:ph type="sldImg"/>
+          </p:nvPr>
+        </p:nvSpPr>
+        <p:spPr/>
+      </p:sp>
+      <p:sp>
+        <p:nvSpPr>
+          <p:cNvPr id="3" name="Notes Placeholder 2"/>
+          <p:cNvSpPr>
+            <a:spLocks noGrp="1"/>
+          </p:cNvSpPr>
+          <p:nvPr>
+            <p:ph type="body" idx="1"/>
+          </p:nvPr>
+        </p:nvSpPr>
+        <p:spPr/>
+        <p:txBody>
+          <a:bodyPr/>
+          <a:lstStyle/>
+          <a:p>
+            <a:r>
+              <a:rPr lang="en-US" dirty="0"/>
+              <a:t>More similarity among Bangladesh and India sequences, maybe because they were collected around </a:t>
+            </a:r>
+            <a:r>
+              <a:rPr lang="en-US"/>
+              <a:t>outbreak times?</a:t>
+            </a:r>
+          </a:p>
+        </p:txBody>
+      </p:sp>
+      <p:sp>
+        <p:nvSpPr>
+          <p:cNvPr id="4" name="Slide Number Placeholder 3"/>
+          <p:cNvSpPr>
+            <a:spLocks noGrp="1"/>
+          </p:cNvSpPr>
+          <p:nvPr>
+            <p:ph type="sldNum" sz="quarter" idx="5"/>
+          </p:nvPr>
+        </p:nvSpPr>
+        <p:spPr/>
+        <p:txBody>
+          <a:bodyPr/>
+          <a:lstStyle/>
+          <a:p>
+            <a:fld id="{98F020BC-066B-B24D-A07F-EA3E32D0767A}" type="slidenum">
+              <a:rPr lang="en-US" smtClean="0"/>
+              <a:t>7</a:t>
+            </a:fld>
+            <a:endParaRPr lang="en-US"/>
+          </a:p>
+        </p:txBody>
+      </p:sp>
+    </p:spTree>
+    <p:extLst>
+      <p:ext uri="{BB962C8B-B14F-4D97-AF65-F5344CB8AC3E}">
+        <p14:creationId xmlns:p14="http://schemas.microsoft.com/office/powerpoint/2010/main" val="3482173135"/>
+      </p:ext>
+    </p:extLst>
+  </p:cSld>
+  <p:clrMapOvr>
+    <a:masterClrMapping/>
+  </p:clrMapOvr>
+</p:notes>
+</file>
+
 <file path=ppt/slideLayouts/slideLayout1.xml><?xml version="1.0" encoding="utf-8"?>
 <p:sldLayout xmlns:a="http://schemas.openxmlformats.org/drawingml/2006/main" xmlns:r="http://schemas.openxmlformats.org/officeDocument/2006/relationships" xmlns:p="http://schemas.openxmlformats.org/presentationml/2006/main" type="title" preserve="1">
   <p:cSld name="Title Slide">
@@ -872,7 +969,7 @@
           <a:p>
             <a:fld id="{338277D8-952F-4B48-BE94-EE51B428A039}" type="datetimeFigureOut">
               <a:rPr lang="en-US" smtClean="0"/>
-              <a:t>7/27/22</a:t>
+              <a:t>7/28/22</a:t>
             </a:fld>
             <a:endParaRPr lang="en-US"/>
           </a:p>
@@ -1070,7 +1167,7 @@
           <a:p>
             <a:fld id="{338277D8-952F-4B48-BE94-EE51B428A039}" type="datetimeFigureOut">
               <a:rPr lang="en-US" smtClean="0"/>
-              <a:t>7/27/22</a:t>
+              <a:t>7/28/22</a:t>
             </a:fld>
             <a:endParaRPr lang="en-US"/>
           </a:p>
@@ -1278,7 +1375,7 @@
           <a:p>
             <a:fld id="{338277D8-952F-4B48-BE94-EE51B428A039}" type="datetimeFigureOut">
               <a:rPr lang="en-US" smtClean="0"/>
-              <a:t>7/27/22</a:t>
+              <a:t>7/28/22</a:t>
             </a:fld>
             <a:endParaRPr lang="en-US"/>
           </a:p>
@@ -1476,7 +1573,7 @@
           <a:p>
             <a:fld id="{338277D8-952F-4B48-BE94-EE51B428A039}" type="datetimeFigureOut">
               <a:rPr lang="en-US" smtClean="0"/>
-              <a:t>7/27/22</a:t>
+              <a:t>7/28/22</a:t>
             </a:fld>
             <a:endParaRPr lang="en-US"/>
           </a:p>
@@ -1751,7 +1848,7 @@
           <a:p>
             <a:fld id="{338277D8-952F-4B48-BE94-EE51B428A039}" type="datetimeFigureOut">
               <a:rPr lang="en-US" smtClean="0"/>
-              <a:t>7/27/22</a:t>
+              <a:t>7/28/22</a:t>
             </a:fld>
             <a:endParaRPr lang="en-US"/>
           </a:p>
@@ -2016,7 +2113,7 @@
           <a:p>
             <a:fld id="{338277D8-952F-4B48-BE94-EE51B428A039}" type="datetimeFigureOut">
               <a:rPr lang="en-US" smtClean="0"/>
-              <a:t>7/27/22</a:t>
+              <a:t>7/28/22</a:t>
             </a:fld>
             <a:endParaRPr lang="en-US"/>
           </a:p>
@@ -2428,7 +2525,7 @@
           <a:p>
             <a:fld id="{338277D8-952F-4B48-BE94-EE51B428A039}" type="datetimeFigureOut">
               <a:rPr lang="en-US" smtClean="0"/>
-              <a:t>7/27/22</a:t>
+              <a:t>7/28/22</a:t>
             </a:fld>
             <a:endParaRPr lang="en-US"/>
           </a:p>
@@ -2569,7 +2666,7 @@
           <a:p>
             <a:fld id="{338277D8-952F-4B48-BE94-EE51B428A039}" type="datetimeFigureOut">
               <a:rPr lang="en-US" smtClean="0"/>
-              <a:t>7/27/22</a:t>
+              <a:t>7/28/22</a:t>
             </a:fld>
             <a:endParaRPr lang="en-US"/>
           </a:p>
@@ -2682,7 +2779,7 @@
           <a:p>
             <a:fld id="{338277D8-952F-4B48-BE94-EE51B428A039}" type="datetimeFigureOut">
               <a:rPr lang="en-US" smtClean="0"/>
-              <a:t>7/27/22</a:t>
+              <a:t>7/28/22</a:t>
             </a:fld>
             <a:endParaRPr lang="en-US"/>
           </a:p>
@@ -2993,7 +3090,7 @@
           <a:p>
             <a:fld id="{338277D8-952F-4B48-BE94-EE51B428A039}" type="datetimeFigureOut">
               <a:rPr lang="en-US" smtClean="0"/>
-              <a:t>7/27/22</a:t>
+              <a:t>7/28/22</a:t>
             </a:fld>
             <a:endParaRPr lang="en-US"/>
           </a:p>
@@ -3281,7 +3378,7 @@
           <a:p>
             <a:fld id="{338277D8-952F-4B48-BE94-EE51B428A039}" type="datetimeFigureOut">
               <a:rPr lang="en-US" smtClean="0"/>
-              <a:t>7/27/22</a:t>
+              <a:t>7/28/22</a:t>
             </a:fld>
             <a:endParaRPr lang="en-US"/>
           </a:p>
@@ -3522,7 +3619,7 @@
           <a:p>
             <a:fld id="{338277D8-952F-4B48-BE94-EE51B428A039}" type="datetimeFigureOut">
               <a:rPr lang="en-US" smtClean="0"/>
-              <a:t>7/27/22</a:t>
+              <a:t>7/28/22</a:t>
             </a:fld>
             <a:endParaRPr lang="en-US"/>
           </a:p>
@@ -5577,6 +5674,96 @@
     <p:extLst>
       <p:ext uri="{BB962C8B-B14F-4D97-AF65-F5344CB8AC3E}">
         <p14:creationId xmlns:p14="http://schemas.microsoft.com/office/powerpoint/2010/main" val="567494332"/>
+      </p:ext>
+    </p:extLst>
+  </p:cSld>
+  <p:clrMapOvr>
+    <a:masterClrMapping/>
+  </p:clrMapOvr>
+</p:sld>
+</file>
+
+<file path=ppt/slides/slide7.xml><?xml version="1.0" encoding="utf-8"?>
+<p:sld xmlns:a="http://schemas.openxmlformats.org/drawingml/2006/main" xmlns:r="http://schemas.openxmlformats.org/officeDocument/2006/relationships" xmlns:p="http://schemas.openxmlformats.org/presentationml/2006/main">
+  <p:cSld>
+    <p:spTree>
+      <p:nvGrpSpPr>
+        <p:cNvPr id="1" name=""/>
+        <p:cNvGrpSpPr/>
+        <p:nvPr/>
+      </p:nvGrpSpPr>
+      <p:grpSpPr>
+        <a:xfrm>
+          <a:off x="0" y="0"/>
+          <a:ext cx="0" cy="0"/>
+          <a:chOff x="0" y="0"/>
+          <a:chExt cx="0" cy="0"/>
+        </a:xfrm>
+      </p:grpSpPr>
+      <p:pic>
+        <p:nvPicPr>
+          <p:cNvPr id="5" name="Picture 4" descr="Chart, bar chart&#10;&#10;Description automatically generated">
+            <a:extLst>
+              <a:ext uri="{FF2B5EF4-FFF2-40B4-BE49-F238E27FC236}">
+                <a16:creationId xmlns:a16="http://schemas.microsoft.com/office/drawing/2014/main" id="{646A5F14-D01A-D8F2-42A0-21D7710E92BC}"/>
+              </a:ext>
+            </a:extLst>
+          </p:cNvPr>
+          <p:cNvPicPr>
+            <a:picLocks noChangeAspect="1"/>
+          </p:cNvPicPr>
+          <p:nvPr/>
+        </p:nvPicPr>
+        <p:blipFill>
+          <a:blip r:embed="rId3"/>
+          <a:stretch>
+            <a:fillRect/>
+          </a:stretch>
+        </p:blipFill>
+        <p:spPr>
+          <a:xfrm>
+            <a:off x="5807374" y="2211173"/>
+            <a:ext cx="6368452" cy="4567274"/>
+          </a:xfrm>
+          <a:prstGeom prst="rect">
+            <a:avLst/>
+          </a:prstGeom>
+        </p:spPr>
+      </p:pic>
+      <p:pic>
+        <p:nvPicPr>
+          <p:cNvPr id="7" name="Picture 6" descr="Chart, histogram&#10;&#10;Description automatically generated">
+            <a:extLst>
+              <a:ext uri="{FF2B5EF4-FFF2-40B4-BE49-F238E27FC236}">
+                <a16:creationId xmlns:a16="http://schemas.microsoft.com/office/drawing/2014/main" id="{5BE64F16-1F54-AB57-2435-19E921D074D0}"/>
+              </a:ext>
+            </a:extLst>
+          </p:cNvPr>
+          <p:cNvPicPr>
+            <a:picLocks noChangeAspect="1"/>
+          </p:cNvPicPr>
+          <p:nvPr/>
+        </p:nvPicPr>
+        <p:blipFill>
+          <a:blip r:embed="rId4"/>
+          <a:stretch>
+            <a:fillRect/>
+          </a:stretch>
+        </p:blipFill>
+        <p:spPr>
+          <a:xfrm>
+            <a:off x="0" y="0"/>
+            <a:ext cx="5823457" cy="4085112"/>
+          </a:xfrm>
+          <a:prstGeom prst="rect">
+            <a:avLst/>
+          </a:prstGeom>
+        </p:spPr>
+      </p:pic>
+    </p:spTree>
+    <p:extLst>
+      <p:ext uri="{BB962C8B-B14F-4D97-AF65-F5344CB8AC3E}">
+        <p14:creationId xmlns:p14="http://schemas.microsoft.com/office/powerpoint/2010/main" val="177013733"/>
       </p:ext>
     </p:extLst>
   </p:cSld>

--- a/writing/20220729.pptx
+++ b/writing/20220729.pptx
@@ -777,11 +777,7 @@
           <a:p>
             <a:r>
               <a:rPr lang="en-US" dirty="0"/>
-              <a:t>More similarity among Bangladesh and India sequences, maybe because they were collected around </a:t>
-            </a:r>
-            <a:r>
-              <a:rPr lang="en-US"/>
-              <a:t>outbreak times?</a:t>
+              <a:t>More similarity among Bangladesh and India sequences, maybe because they were collected around outbreak times?</a:t>
             </a:r>
           </a:p>
         </p:txBody>
@@ -5730,36 +5726,127 @@
           </a:prstGeom>
         </p:spPr>
       </p:pic>
-      <p:pic>
-        <p:nvPicPr>
-          <p:cNvPr id="7" name="Picture 6" descr="Chart, histogram&#10;&#10;Description automatically generated">
-            <a:extLst>
-              <a:ext uri="{FF2B5EF4-FFF2-40B4-BE49-F238E27FC236}">
-                <a16:creationId xmlns:a16="http://schemas.microsoft.com/office/drawing/2014/main" id="{5BE64F16-1F54-AB57-2435-19E921D074D0}"/>
-              </a:ext>
-            </a:extLst>
-          </p:cNvPr>
-          <p:cNvPicPr>
-            <a:picLocks noChangeAspect="1"/>
-          </p:cNvPicPr>
+      <p:grpSp>
+        <p:nvGrpSpPr>
+          <p:cNvPr id="10" name="Group 9">
+            <a:extLst>
+              <a:ext uri="{FF2B5EF4-FFF2-40B4-BE49-F238E27FC236}">
+                <a16:creationId xmlns:a16="http://schemas.microsoft.com/office/drawing/2014/main" id="{D6941815-2FB9-0FD5-A860-3AB5FAEDC554}"/>
+              </a:ext>
+            </a:extLst>
+          </p:cNvPr>
+          <p:cNvGrpSpPr/>
           <p:nvPr/>
-        </p:nvPicPr>
-        <p:blipFill>
-          <a:blip r:embed="rId4"/>
-          <a:stretch>
-            <a:fillRect/>
-          </a:stretch>
-        </p:blipFill>
-        <p:spPr>
+        </p:nvGrpSpPr>
+        <p:grpSpPr>
           <a:xfrm>
             <a:off x="0" y="0"/>
-            <a:ext cx="5823457" cy="4085112"/>
-          </a:xfrm>
-          <a:prstGeom prst="rect">
-            <a:avLst/>
-          </a:prstGeom>
-        </p:spPr>
-      </p:pic>
+            <a:ext cx="5823457" cy="4494810"/>
+            <a:chOff x="0" y="0"/>
+            <a:chExt cx="5823457" cy="4494810"/>
+          </a:xfrm>
+        </p:grpSpPr>
+        <p:pic>
+          <p:nvPicPr>
+            <p:cNvPr id="7" name="Picture 6" descr="Chart, histogram&#10;&#10;Description automatically generated">
+              <a:extLst>
+                <a:ext uri="{FF2B5EF4-FFF2-40B4-BE49-F238E27FC236}">
+                  <a16:creationId xmlns:a16="http://schemas.microsoft.com/office/drawing/2014/main" id="{5BE64F16-1F54-AB57-2435-19E921D074D0}"/>
+                </a:ext>
+              </a:extLst>
+            </p:cNvPr>
+            <p:cNvPicPr>
+              <a:picLocks noChangeAspect="1"/>
+            </p:cNvPicPr>
+            <p:nvPr/>
+          </p:nvPicPr>
+          <p:blipFill>
+            <a:blip r:embed="rId4"/>
+            <a:stretch>
+              <a:fillRect/>
+            </a:stretch>
+          </p:blipFill>
+          <p:spPr>
+            <a:xfrm>
+              <a:off x="0" y="0"/>
+              <a:ext cx="5823457" cy="4085112"/>
+            </a:xfrm>
+            <a:prstGeom prst="rect">
+              <a:avLst/>
+            </a:prstGeom>
+          </p:spPr>
+        </p:pic>
+        <p:sp>
+          <p:nvSpPr>
+            <p:cNvPr id="8" name="TextBox 7">
+              <a:extLst>
+                <a:ext uri="{FF2B5EF4-FFF2-40B4-BE49-F238E27FC236}">
+                  <a16:creationId xmlns:a16="http://schemas.microsoft.com/office/drawing/2014/main" id="{B53A7792-9A2C-1EA0-CD17-EF8038D12420}"/>
+                </a:ext>
+              </a:extLst>
+            </p:cNvPr>
+            <p:cNvSpPr txBox="1"/>
+            <p:nvPr/>
+          </p:nvSpPr>
+          <p:spPr>
+            <a:xfrm>
+              <a:off x="4108862" y="4125478"/>
+              <a:ext cx="1591294" cy="369332"/>
+            </a:xfrm>
+            <a:prstGeom prst="rect">
+              <a:avLst/>
+            </a:prstGeom>
+            <a:noFill/>
+          </p:spPr>
+          <p:txBody>
+            <a:bodyPr wrap="square" rtlCol="0">
+              <a:spAutoFit/>
+            </a:bodyPr>
+            <a:lstStyle/>
+            <a:p>
+              <a:r>
+                <a:rPr lang="en-US" dirty="0"/>
+                <a:t>Within clades</a:t>
+              </a:r>
+            </a:p>
+          </p:txBody>
+        </p:sp>
+        <p:sp>
+          <p:nvSpPr>
+            <p:cNvPr id="9" name="TextBox 8">
+              <a:extLst>
+                <a:ext uri="{FF2B5EF4-FFF2-40B4-BE49-F238E27FC236}">
+                  <a16:creationId xmlns:a16="http://schemas.microsoft.com/office/drawing/2014/main" id="{3A8E7693-02A9-E626-047C-0D6C47A2C651}"/>
+                </a:ext>
+              </a:extLst>
+            </p:cNvPr>
+            <p:cNvSpPr txBox="1"/>
+            <p:nvPr/>
+          </p:nvSpPr>
+          <p:spPr>
+            <a:xfrm>
+              <a:off x="710539" y="4125478"/>
+              <a:ext cx="1771404" cy="369332"/>
+            </a:xfrm>
+            <a:prstGeom prst="rect">
+              <a:avLst/>
+            </a:prstGeom>
+            <a:noFill/>
+          </p:spPr>
+          <p:txBody>
+            <a:bodyPr wrap="square" rtlCol="0">
+              <a:spAutoFit/>
+            </a:bodyPr>
+            <a:lstStyle/>
+            <a:p>
+              <a:r>
+                <a:rPr lang="en-US" dirty="0"/>
+                <a:t>Between clades</a:t>
+              </a:r>
+            </a:p>
+          </p:txBody>
+        </p:sp>
+      </p:grpSp>
     </p:spTree>
     <p:extLst>
       <p:ext uri="{BB962C8B-B14F-4D97-AF65-F5344CB8AC3E}">
